--- a/Project 2 proposal.pptx
+++ b/Project 2 proposal.pptx
@@ -5,11 +5,12 @@
     <p:sldMasterId id="2147483648" r:id="rId1"/>
   </p:sldMasterIdLst>
   <p:notesMasterIdLst>
-    <p:notesMasterId r:id="rId4"/>
+    <p:notesMasterId r:id="rId5"/>
   </p:notesMasterIdLst>
   <p:sldIdLst>
     <p:sldId id="3884" r:id="rId2"/>
-    <p:sldId id="3876" r:id="rId3"/>
+    <p:sldId id="3885" r:id="rId3"/>
+    <p:sldId id="3886" r:id="rId4"/>
   </p:sldIdLst>
   <p:sldSz cx="12192000" cy="6858000"/>
   <p:notesSz cx="6799263" cy="9929813"/>
@@ -114,7 +115,8 @@
         <p14:section name="Default Section" id="{EBE208F1-51A0-437D-A843-CE2EDAFD2C20}">
           <p14:sldIdLst>
             <p14:sldId id="3884"/>
-            <p14:sldId id="3876"/>
+            <p14:sldId id="3885"/>
+            <p14:sldId id="3886"/>
           </p14:sldIdLst>
         </p14:section>
       </p14:sectionLst>
@@ -562,90 +564,6 @@
     <p:extLst>
       <p:ext uri="{BB962C8B-B14F-4D97-AF65-F5344CB8AC3E}">
         <p14:creationId xmlns:p14="http://schemas.microsoft.com/office/powerpoint/2010/main" val="3207775713"/>
-      </p:ext>
-    </p:extLst>
-  </p:cSld>
-  <p:clrMapOvr>
-    <a:masterClrMapping/>
-  </p:clrMapOvr>
-</p:notes>
-</file>
-
-<file path=ppt/notesSlides/notesSlide2.xml><?xml version="1.0" encoding="utf-8"?>
-<p:notes xmlns:a="http://schemas.openxmlformats.org/drawingml/2006/main" xmlns:r="http://schemas.openxmlformats.org/officeDocument/2006/relationships" xmlns:p="http://schemas.openxmlformats.org/presentationml/2006/main">
-  <p:cSld>
-    <p:spTree>
-      <p:nvGrpSpPr>
-        <p:cNvPr id="1" name=""/>
-        <p:cNvGrpSpPr/>
-        <p:nvPr/>
-      </p:nvGrpSpPr>
-      <p:grpSpPr>
-        <a:xfrm>
-          <a:off x="0" y="0"/>
-          <a:ext cx="0" cy="0"/>
-          <a:chOff x="0" y="0"/>
-          <a:chExt cx="0" cy="0"/>
-        </a:xfrm>
-      </p:grpSpPr>
-      <p:sp>
-        <p:nvSpPr>
-          <p:cNvPr id="2" name="Slide Image Placeholder 1"/>
-          <p:cNvSpPr>
-            <a:spLocks noGrp="1" noRot="1" noChangeAspect="1"/>
-          </p:cNvSpPr>
-          <p:nvPr>
-            <p:ph type="sldImg"/>
-          </p:nvPr>
-        </p:nvSpPr>
-        <p:spPr/>
-      </p:sp>
-      <p:sp>
-        <p:nvSpPr>
-          <p:cNvPr id="3" name="Notes Placeholder 2"/>
-          <p:cNvSpPr>
-            <a:spLocks noGrp="1"/>
-          </p:cNvSpPr>
-          <p:nvPr>
-            <p:ph type="body" idx="1"/>
-          </p:nvPr>
-        </p:nvSpPr>
-        <p:spPr/>
-        <p:txBody>
-          <a:bodyPr/>
-          <a:lstStyle/>
-          <a:p>
-            <a:endParaRPr lang="en-CA" dirty="0"/>
-          </a:p>
-        </p:txBody>
-      </p:sp>
-      <p:sp>
-        <p:nvSpPr>
-          <p:cNvPr id="4" name="Slide Number Placeholder 3"/>
-          <p:cNvSpPr>
-            <a:spLocks noGrp="1"/>
-          </p:cNvSpPr>
-          <p:nvPr>
-            <p:ph type="sldNum" sz="quarter" idx="5"/>
-          </p:nvPr>
-        </p:nvSpPr>
-        <p:spPr/>
-        <p:txBody>
-          <a:bodyPr/>
-          <a:lstStyle/>
-          <a:p>
-            <a:fld id="{F04FAADE-AF7C-674A-8416-E968B9033EF2}" type="slidenum">
-              <a:rPr lang="en-US" smtClean="0"/>
-              <a:t>2</a:t>
-            </a:fld>
-            <a:endParaRPr lang="en-US" dirty="0"/>
-          </a:p>
-        </p:txBody>
-      </p:sp>
-    </p:spTree>
-    <p:extLst>
-      <p:ext uri="{BB962C8B-B14F-4D97-AF65-F5344CB8AC3E}">
-        <p14:creationId xmlns:p14="http://schemas.microsoft.com/office/powerpoint/2010/main" val="231880067"/>
       </p:ext>
     </p:extLst>
   </p:cSld>
@@ -2256,8 +2174,8 @@
         </p:nvSpPr>
         <p:spPr>
           <a:xfrm>
-            <a:off x="860524" y="4081486"/>
-            <a:ext cx="10464734" cy="1314159"/>
+            <a:off x="869402" y="4081486"/>
+            <a:ext cx="10464734" cy="752427"/>
           </a:xfrm>
           <a:prstGeom prst="rect">
             <a:avLst/>
@@ -2295,7 +2213,7 @@
             </a:pPr>
             <a:r>
               <a:rPr lang="en-US" altLang="zh-CN" sz="2900" spc="300" dirty="0"/>
-              <a:t>Leveraging Machine Learning to portfolio of stocks</a:t>
+              <a:t>Stock Dashboard  </a:t>
             </a:r>
             <a:endParaRPr lang="en-US" altLang="zh-CN" sz="2900" dirty="0"/>
           </a:p>
@@ -2319,7 +2237,7 @@
         </p:nvSpPr>
         <p:spPr>
           <a:xfrm>
-            <a:off x="836681" y="5567363"/>
+            <a:off x="821715" y="5567363"/>
             <a:ext cx="10512421" cy="557187"/>
           </a:xfrm>
           <a:noFill/>
@@ -2878,14 +2796,6 @@
 <file path=ppt/slides/slide2.xml><?xml version="1.0" encoding="utf-8"?>
 <p:sld xmlns:a="http://schemas.openxmlformats.org/drawingml/2006/main" xmlns:r="http://schemas.openxmlformats.org/officeDocument/2006/relationships" xmlns:p="http://schemas.openxmlformats.org/presentationml/2006/main">
   <p:cSld>
-    <p:bg>
-      <p:bgPr>
-        <a:solidFill>
-          <a:schemeClr val="bg1"/>
-        </a:solidFill>
-        <a:effectLst/>
-      </p:bgPr>
-    </p:bg>
     <p:spTree>
       <p:nvGrpSpPr>
         <p:cNvPr id="1" name=""/>
@@ -2902,898 +2812,434 @@
       </p:grpSpPr>
       <p:sp>
         <p:nvSpPr>
-          <p:cNvPr id="25" name="Rectangle 12">
+          <p:cNvPr id="3" name="Content Placeholder 2">
             <a:extLst>
               <a:ext uri="{FF2B5EF4-FFF2-40B4-BE49-F238E27FC236}">
-                <a16:creationId xmlns:a16="http://schemas.microsoft.com/office/drawing/2014/main" id="{0BC9EFE1-D8CB-4668-9980-DB108327A794}"/>
-              </a:ext>
-              <a:ext uri="{C183D7F6-B498-43B3-948B-1728B52AA6E4}">
-                <adec:decorative xmlns:adec="http://schemas.microsoft.com/office/drawing/2017/decorative" val="1"/>
+                <a16:creationId xmlns:a16="http://schemas.microsoft.com/office/drawing/2014/main" id="{DEE65001-549C-424D-B8EB-4978A9BD098B}"/>
               </a:ext>
             </a:extLst>
           </p:cNvPr>
           <p:cNvSpPr>
-            <a:spLocks noGrp="1" noRot="1" noChangeAspect="1" noMove="1" noResize="1" noEditPoints="1" noAdjustHandles="1" noChangeArrowheads="1" noChangeShapeType="1" noTextEdit="1"/>
+            <a:spLocks noGrp="1"/>
           </p:cNvSpPr>
           <p:nvPr>
-            <p:extLst>
-              <p:ext uri="{386F3935-93C4-4BCD-93E2-E3B085C9AB24}">
-                <p16:designElem xmlns:p16="http://schemas.microsoft.com/office/powerpoint/2015/main" val="1"/>
-              </p:ext>
-            </p:extLst>
+            <p:ph idx="1"/>
           </p:nvPr>
         </p:nvSpPr>
         <p:spPr>
           <a:xfrm>
-            <a:off x="5920431" y="0"/>
-            <a:ext cx="6271569" cy="6858000"/>
+            <a:off x="292963" y="221942"/>
+            <a:ext cx="11054593" cy="5815827"/>
           </a:xfrm>
-          <a:prstGeom prst="rect">
-            <a:avLst/>
-          </a:prstGeom>
-          <a:gradFill>
-            <a:gsLst>
-              <a:gs pos="0">
-                <a:schemeClr val="accent1">
-                  <a:lumMod val="100000"/>
-                  <a:alpha val="82000"/>
-                </a:schemeClr>
-              </a:gs>
-              <a:gs pos="25000">
-                <a:schemeClr val="accent1">
-                  <a:alpha val="60000"/>
-                </a:schemeClr>
-              </a:gs>
-              <a:gs pos="94000">
-                <a:schemeClr val="bg2">
-                  <a:lumMod val="75000"/>
-                </a:schemeClr>
-              </a:gs>
-              <a:gs pos="100000">
-                <a:schemeClr val="bg2">
-                  <a:lumMod val="75000"/>
-                </a:schemeClr>
-              </a:gs>
-            </a:gsLst>
-            <a:lin ang="4200000" scaled="0"/>
-          </a:gradFill>
-          <a:ln>
-            <a:noFill/>
-          </a:ln>
         </p:spPr>
-        <p:style>
-          <a:lnRef idx="2">
-            <a:schemeClr val="accent1">
-              <a:shade val="50000"/>
-            </a:schemeClr>
-          </a:lnRef>
-          <a:fillRef idx="1">
-            <a:schemeClr val="accent1"/>
-          </a:fillRef>
-          <a:effectRef idx="0">
-            <a:schemeClr val="accent1"/>
-          </a:effectRef>
-          <a:fontRef idx="minor">
-            <a:schemeClr val="lt1"/>
-          </a:fontRef>
-        </p:style>
-        <p:txBody>
-          <a:bodyPr rtlCol="0" anchor="ctr"/>
+        <p:txBody>
+          <a:bodyPr/>
           <a:lstStyle/>
           <a:p>
-            <a:pPr algn="ctr"/>
-            <a:endParaRPr lang="en-US"/>
-          </a:p>
-        </p:txBody>
-      </p:sp>
-      <p:pic>
-        <p:nvPicPr>
-          <p:cNvPr id="26" name="Picture 14">
+            <a:pPr marL="0" indent="0">
+              <a:buNone/>
+            </a:pPr>
+            <a:r>
+              <a:rPr lang="en-CA" sz="1600" b="1" dirty="0"/>
+              <a:t>PROPOSAL – 			STOCK INFO DASHBOARD</a:t>
+            </a:r>
+          </a:p>
+          <a:p>
+            <a:pPr marL="0" indent="0">
+              <a:buNone/>
+            </a:pPr>
+            <a:endParaRPr lang="en-CA" b="1" dirty="0"/>
+          </a:p>
+          <a:p>
+            <a:pPr marL="342900" indent="-342900">
+              <a:buAutoNum type="arabicPeriod"/>
+            </a:pPr>
+            <a:r>
+              <a:rPr lang="en-CA" sz="1600" b="1" dirty="0"/>
+              <a:t>Real Time Stock performance</a:t>
+            </a:r>
+          </a:p>
+          <a:p>
+            <a:pPr marL="342900" indent="-342900">
+              <a:buAutoNum type="arabicPeriod"/>
+            </a:pPr>
+            <a:r>
+              <a:rPr lang="en-CA" b="1" dirty="0"/>
+              <a:t>Enter stock ticker then dashboard will:</a:t>
+            </a:r>
+          </a:p>
+          <a:p>
+            <a:pPr marL="800077" lvl="1" indent="-342900">
+              <a:buAutoNum type="arabicPeriod"/>
+            </a:pPr>
+            <a:r>
+              <a:rPr lang="en-CA" sz="1500" b="1" dirty="0"/>
+              <a:t>Real-time stock price, stock price visualization</a:t>
+            </a:r>
+          </a:p>
+          <a:p>
+            <a:pPr marL="800077" lvl="1" indent="-342900">
+              <a:buFont typeface="Arial"/>
+              <a:buAutoNum type="arabicPeriod"/>
+            </a:pPr>
+            <a:r>
+              <a:rPr lang="en-CA" sz="1500" b="1" dirty="0"/>
+              <a:t>Stock trading indicator visualization (moving avg)</a:t>
+            </a:r>
+          </a:p>
+          <a:p>
+            <a:pPr marL="1257253" lvl="2" indent="-342900">
+              <a:buFont typeface="Arial"/>
+              <a:buAutoNum type="arabicPeriod"/>
+            </a:pPr>
+            <a:r>
+              <a:rPr lang="en-CA" sz="1500" b="1" dirty="0"/>
+              <a:t>Using Algo to predict the entry and exit point</a:t>
+            </a:r>
+          </a:p>
+          <a:p>
+            <a:pPr marL="800077" lvl="1" indent="-342900">
+              <a:buAutoNum type="arabicPeriod"/>
+            </a:pPr>
+            <a:r>
+              <a:rPr lang="en-CA" sz="1500" b="1" dirty="0"/>
+              <a:t>Stock evaluation (sharp ratio, rolling, daily return, cum daily return, deviation)</a:t>
+            </a:r>
+          </a:p>
+          <a:p>
+            <a:pPr marL="800077" lvl="1" indent="-342900">
+              <a:buAutoNum type="arabicPeriod"/>
+            </a:pPr>
+            <a:r>
+              <a:rPr lang="en-CA" sz="1500" b="1" dirty="0"/>
+              <a:t>Using machine learning to train and test future performance VS index</a:t>
+            </a:r>
+          </a:p>
+          <a:p>
+            <a:pPr marL="0" indent="0">
+              <a:buNone/>
+            </a:pPr>
+            <a:endParaRPr lang="en-CA" sz="1600" b="1" dirty="0"/>
+          </a:p>
+          <a:p>
+            <a:pPr marL="0" indent="0">
+              <a:buNone/>
+            </a:pPr>
+            <a:r>
+              <a:rPr lang="en-CA" b="1" dirty="0"/>
+              <a:t>Data Source:</a:t>
+            </a:r>
+          </a:p>
+          <a:p>
+            <a:pPr marL="0" indent="0">
+              <a:buNone/>
+            </a:pPr>
+            <a:r>
+              <a:rPr lang="en-CA" b="1" dirty="0"/>
+              <a:t>	Yahoo Finance, Alpaca</a:t>
+            </a:r>
+          </a:p>
+          <a:p>
+            <a:pPr marL="0" indent="0">
+              <a:buNone/>
+            </a:pPr>
+            <a:endParaRPr lang="en-CA" b="1" dirty="0"/>
+          </a:p>
+          <a:p>
+            <a:pPr marL="0" indent="0">
+              <a:buNone/>
+            </a:pPr>
+            <a:r>
+              <a:rPr lang="en-CA" b="1" dirty="0"/>
+              <a:t>Python Library:</a:t>
+            </a:r>
+          </a:p>
+          <a:p>
+            <a:pPr marL="0" indent="0">
+              <a:buNone/>
+            </a:pPr>
+            <a:r>
+              <a:rPr lang="en-CA" b="1" dirty="0"/>
+              <a:t>	</a:t>
+            </a:r>
+            <a:r>
+              <a:rPr lang="en-CA" b="1" dirty="0" err="1"/>
+              <a:t>QuanStats</a:t>
+            </a:r>
+            <a:r>
+              <a:rPr lang="en-CA" b="1" dirty="0"/>
+              <a:t>, Dash </a:t>
+            </a:r>
+            <a:r>
+              <a:rPr lang="en-CA" b="1" dirty="0" err="1"/>
+              <a:t>Plotly</a:t>
+            </a:r>
+            <a:endParaRPr lang="en-CA" b="1" dirty="0"/>
+          </a:p>
+          <a:p>
+            <a:pPr marL="0" indent="0">
+              <a:buNone/>
+            </a:pPr>
+            <a:endParaRPr lang="en-CA" b="1" dirty="0"/>
+          </a:p>
+          <a:p>
+            <a:pPr marL="0" indent="0">
+              <a:buNone/>
+            </a:pPr>
+            <a:endParaRPr lang="en-CA" b="1" dirty="0"/>
+          </a:p>
+          <a:p>
+            <a:pPr marL="342900" indent="-342900">
+              <a:buAutoNum type="arabicPeriod"/>
+            </a:pPr>
+            <a:endParaRPr lang="en-CA" sz="1600" b="1" dirty="0"/>
+          </a:p>
+          <a:p>
+            <a:pPr marL="0" indent="0">
+              <a:buNone/>
+            </a:pPr>
+            <a:endParaRPr lang="en-CA" sz="1600" b="1" dirty="0"/>
+          </a:p>
+          <a:p>
+            <a:endParaRPr lang="en-CA" dirty="0"/>
+          </a:p>
+        </p:txBody>
+      </p:sp>
+      <p:sp>
+        <p:nvSpPr>
+          <p:cNvPr id="4" name="Slide Number Placeholder 3">
             <a:extLst>
               <a:ext uri="{FF2B5EF4-FFF2-40B4-BE49-F238E27FC236}">
-                <a16:creationId xmlns:a16="http://schemas.microsoft.com/office/drawing/2014/main" id="{7CBAE1BD-B8E4-4029-8AA2-C77E4FED9864}"/>
-              </a:ext>
-              <a:ext uri="{C183D7F6-B498-43B3-948B-1728B52AA6E4}">
-                <adec:decorative xmlns:adec="http://schemas.microsoft.com/office/drawing/2017/decorative" val="1"/>
-              </a:ext>
-            </a:extLst>
-          </p:cNvPr>
-          <p:cNvPicPr>
-            <a:picLocks noGrp="1" noRot="1" noChangeAspect="1" noMove="1" noResize="1" noEditPoints="1" noAdjustHandles="1" noChangeArrowheads="1" noChangeShapeType="1" noCrop="1"/>
-          </p:cNvPicPr>
-          <p:nvPr>
-            <p:extLst>
-              <p:ext uri="{386F3935-93C4-4BCD-93E2-E3B085C9AB24}">
-                <p16:designElem xmlns:p16="http://schemas.microsoft.com/office/powerpoint/2015/main" val="1"/>
-              </p:ext>
-            </p:extLst>
-          </p:nvPr>
-        </p:nvPicPr>
-        <p:blipFill>
-          <a:blip r:embed="rId3">
-            <a:extLst>
-              <a:ext uri="{28A0092B-C50C-407E-A947-70E740481C1C}">
-                <a14:useLocalDpi xmlns:a14="http://schemas.microsoft.com/office/drawing/2010/main" val="0"/>
-              </a:ext>
-            </a:extLst>
-          </a:blip>
-          <a:stretch>
-            <a:fillRect/>
-          </a:stretch>
-        </p:blipFill>
-        <p:spPr>
-          <a:xfrm flipH="1">
-            <a:off x="0" y="0"/>
-            <a:ext cx="12192000" cy="6858000"/>
-          </a:xfrm>
-          <a:prstGeom prst="rect">
-            <a:avLst/>
-          </a:prstGeom>
-        </p:spPr>
-      </p:pic>
-      <p:sp>
-        <p:nvSpPr>
-          <p:cNvPr id="17" name="Freeform 49">
-            <a:extLst>
-              <a:ext uri="{FF2B5EF4-FFF2-40B4-BE49-F238E27FC236}">
-                <a16:creationId xmlns:a16="http://schemas.microsoft.com/office/drawing/2014/main" id="{77DA6D33-2D62-458C-BF5D-DBF612FD557E}"/>
-              </a:ext>
-              <a:ext uri="{C183D7F6-B498-43B3-948B-1728B52AA6E4}">
-                <adec:decorative xmlns:adec="http://schemas.microsoft.com/office/drawing/2017/decorative" val="1"/>
+                <a16:creationId xmlns:a16="http://schemas.microsoft.com/office/drawing/2014/main" id="{99C1A947-8588-4B40-8CBE-8EA810D69DAE}"/>
               </a:ext>
             </a:extLst>
           </p:cNvPr>
           <p:cNvSpPr>
-            <a:spLocks noGrp="1" noRot="1" noChangeAspect="1" noMove="1" noResize="1" noEditPoints="1" noAdjustHandles="1" noChangeArrowheads="1" noChangeShapeType="1" noTextEdit="1"/>
+            <a:spLocks noGrp="1"/>
           </p:cNvSpPr>
           <p:nvPr>
-            <p:extLst>
-              <p:ext uri="{386F3935-93C4-4BCD-93E2-E3B085C9AB24}">
-                <p16:designElem xmlns:p16="http://schemas.microsoft.com/office/powerpoint/2015/main" val="1"/>
-              </p:ext>
-            </p:extLst>
+            <p:ph type="sldNum" sz="quarter" idx="12"/>
           </p:nvPr>
         </p:nvSpPr>
-        <p:spPr>
-          <a:xfrm flipH="1">
-            <a:off x="6713915" y="590635"/>
-            <a:ext cx="5478085" cy="6276841"/>
-          </a:xfrm>
-          <a:custGeom>
-            <a:avLst/>
-            <a:gdLst>
-              <a:gd name="connsiteX0" fmla="*/ 2178155 w 5478085"/>
-              <a:gd name="connsiteY0" fmla="*/ 0 h 6276841"/>
-              <a:gd name="connsiteX1" fmla="*/ 5478085 w 5478085"/>
-              <a:gd name="connsiteY1" fmla="*/ 3299930 h 6276841"/>
-              <a:gd name="connsiteX2" fmla="*/ 3751098 w 5478085"/>
-              <a:gd name="connsiteY2" fmla="*/ 6201577 h 6276841"/>
-              <a:gd name="connsiteX3" fmla="*/ 3594858 w 5478085"/>
-              <a:gd name="connsiteY3" fmla="*/ 6276841 h 6276841"/>
-              <a:gd name="connsiteX4" fmla="*/ 761453 w 5478085"/>
-              <a:gd name="connsiteY4" fmla="*/ 6276841 h 6276841"/>
-              <a:gd name="connsiteX5" fmla="*/ 605213 w 5478085"/>
-              <a:gd name="connsiteY5" fmla="*/ 6201577 h 6276841"/>
-              <a:gd name="connsiteX6" fmla="*/ 79093 w 5478085"/>
-              <a:gd name="connsiteY6" fmla="*/ 5846317 h 6276841"/>
-              <a:gd name="connsiteX7" fmla="*/ 0 w 5478085"/>
-              <a:gd name="connsiteY7" fmla="*/ 5774432 h 6276841"/>
-              <a:gd name="connsiteX8" fmla="*/ 0 w 5478085"/>
-              <a:gd name="connsiteY8" fmla="*/ 825429 h 6276841"/>
-              <a:gd name="connsiteX9" fmla="*/ 79093 w 5478085"/>
-              <a:gd name="connsiteY9" fmla="*/ 753544 h 6276841"/>
-              <a:gd name="connsiteX10" fmla="*/ 2178155 w 5478085"/>
-              <a:gd name="connsiteY10" fmla="*/ 0 h 6276841"/>
-            </a:gdLst>
-            <a:ahLst/>
-            <a:cxnLst>
-              <a:cxn ang="0">
-                <a:pos x="connsiteX0" y="connsiteY0"/>
-              </a:cxn>
-              <a:cxn ang="0">
-                <a:pos x="connsiteX1" y="connsiteY1"/>
-              </a:cxn>
-              <a:cxn ang="0">
-                <a:pos x="connsiteX2" y="connsiteY2"/>
-              </a:cxn>
-              <a:cxn ang="0">
-                <a:pos x="connsiteX3" y="connsiteY3"/>
-              </a:cxn>
-              <a:cxn ang="0">
-                <a:pos x="connsiteX4" y="connsiteY4"/>
-              </a:cxn>
-              <a:cxn ang="0">
-                <a:pos x="connsiteX5" y="connsiteY5"/>
-              </a:cxn>
-              <a:cxn ang="0">
-                <a:pos x="connsiteX6" y="connsiteY6"/>
-              </a:cxn>
-              <a:cxn ang="0">
-                <a:pos x="connsiteX7" y="connsiteY7"/>
-              </a:cxn>
-              <a:cxn ang="0">
-                <a:pos x="connsiteX8" y="connsiteY8"/>
-              </a:cxn>
-              <a:cxn ang="0">
-                <a:pos x="connsiteX9" y="connsiteY9"/>
-              </a:cxn>
-              <a:cxn ang="0">
-                <a:pos x="connsiteX10" y="connsiteY10"/>
-              </a:cxn>
-            </a:cxnLst>
-            <a:rect l="l" t="t" r="r" b="b"/>
-            <a:pathLst>
-              <a:path w="5478085" h="6276841">
-                <a:moveTo>
-                  <a:pt x="2178155" y="0"/>
-                </a:moveTo>
-                <a:cubicBezTo>
-                  <a:pt x="4000656" y="0"/>
-                  <a:pt x="5478085" y="1477429"/>
-                  <a:pt x="5478085" y="3299930"/>
-                </a:cubicBezTo>
-                <a:cubicBezTo>
-                  <a:pt x="5478085" y="4552900"/>
-                  <a:pt x="4779769" y="5642769"/>
-                  <a:pt x="3751098" y="6201577"/>
-                </a:cubicBezTo>
-                <a:lnTo>
-                  <a:pt x="3594858" y="6276841"/>
-                </a:lnTo>
-                <a:lnTo>
-                  <a:pt x="761453" y="6276841"/>
-                </a:lnTo>
-                <a:lnTo>
-                  <a:pt x="605213" y="6201577"/>
-                </a:lnTo>
-                <a:cubicBezTo>
-                  <a:pt x="418182" y="6099975"/>
-                  <a:pt x="242071" y="5980818"/>
-                  <a:pt x="79093" y="5846317"/>
-                </a:cubicBezTo>
-                <a:lnTo>
-                  <a:pt x="0" y="5774432"/>
-                </a:lnTo>
-                <a:lnTo>
-                  <a:pt x="0" y="825429"/>
-                </a:lnTo>
-                <a:lnTo>
-                  <a:pt x="79093" y="753544"/>
-                </a:lnTo>
-                <a:cubicBezTo>
-                  <a:pt x="649516" y="282789"/>
-                  <a:pt x="1380811" y="0"/>
-                  <a:pt x="2178155" y="0"/>
-                </a:cubicBezTo>
-                <a:close/>
-              </a:path>
-            </a:pathLst>
-          </a:custGeom>
-          <a:solidFill>
-            <a:srgbClr val="FFFFFF"/>
-          </a:solidFill>
-          <a:ln>
-            <a:gradFill>
-              <a:gsLst>
-                <a:gs pos="0">
-                  <a:schemeClr val="accent1">
-                    <a:lumMod val="40000"/>
-                    <a:lumOff val="60000"/>
-                  </a:schemeClr>
-                </a:gs>
-                <a:gs pos="23000">
-                  <a:schemeClr val="accent1">
-                    <a:lumMod val="45000"/>
-                    <a:lumOff val="55000"/>
-                  </a:schemeClr>
-                </a:gs>
-                <a:gs pos="83000">
-                  <a:schemeClr val="accent3"/>
-                </a:gs>
-                <a:gs pos="100000">
-                  <a:schemeClr val="accent3"/>
-                </a:gs>
-              </a:gsLst>
-              <a:lin ang="5400000" scaled="1"/>
-            </a:gradFill>
-          </a:ln>
-        </p:spPr>
-        <p:style>
-          <a:lnRef idx="2">
-            <a:schemeClr val="accent1">
-              <a:shade val="50000"/>
-            </a:schemeClr>
-          </a:lnRef>
-          <a:fillRef idx="1">
-            <a:schemeClr val="accent1"/>
-          </a:fillRef>
-          <a:effectRef idx="0">
-            <a:schemeClr val="accent1"/>
-          </a:effectRef>
-          <a:fontRef idx="minor">
-            <a:schemeClr val="lt1"/>
-          </a:fontRef>
-        </p:style>
-        <p:txBody>
-          <a:bodyPr wrap="square" rtlCol="0" anchor="ctr">
-            <a:noAutofit/>
-          </a:bodyPr>
+        <p:spPr/>
+        <p:txBody>
+          <a:bodyPr/>
           <a:lstStyle/>
           <a:p>
-            <a:pPr algn="ctr"/>
-            <a:endParaRPr lang="en-US"/>
-          </a:p>
-        </p:txBody>
-      </p:sp>
-      <p:pic>
-        <p:nvPicPr>
-          <p:cNvPr id="4" name="Picture 3" descr="A picture containing text&#10;&#10;Description automatically generated">
+            <a:fld id="{B7F7B65C-2824-9347-9C05-39D42996E2F4}" type="slidenum">
+              <a:rPr lang="fr-FR" smtClean="0"/>
+              <a:pPr/>
+              <a:t>2</a:t>
+            </a:fld>
+            <a:endParaRPr lang="fr-FR" dirty="0"/>
+          </a:p>
+        </p:txBody>
+      </p:sp>
+    </p:spTree>
+    <p:extLst>
+      <p:ext uri="{BB962C8B-B14F-4D97-AF65-F5344CB8AC3E}">
+        <p14:creationId xmlns:p14="http://schemas.microsoft.com/office/powerpoint/2010/main" val="1849126025"/>
+      </p:ext>
+    </p:extLst>
+  </p:cSld>
+  <p:clrMapOvr>
+    <a:masterClrMapping/>
+  </p:clrMapOvr>
+</p:sld>
+</file>
+
+<file path=ppt/slides/slide3.xml><?xml version="1.0" encoding="utf-8"?>
+<p:sld xmlns:a="http://schemas.openxmlformats.org/drawingml/2006/main" xmlns:r="http://schemas.openxmlformats.org/officeDocument/2006/relationships" xmlns:p="http://schemas.openxmlformats.org/presentationml/2006/main">
+  <p:cSld>
+    <p:spTree>
+      <p:nvGrpSpPr>
+        <p:cNvPr id="1" name=""/>
+        <p:cNvGrpSpPr/>
+        <p:nvPr/>
+      </p:nvGrpSpPr>
+      <p:grpSpPr>
+        <a:xfrm>
+          <a:off x="0" y="0"/>
+          <a:ext cx="0" cy="0"/>
+          <a:chOff x="0" y="0"/>
+          <a:chExt cx="0" cy="0"/>
+        </a:xfrm>
+      </p:grpSpPr>
+      <p:sp>
+        <p:nvSpPr>
+          <p:cNvPr id="3" name="Content Placeholder 2">
             <a:extLst>
               <a:ext uri="{FF2B5EF4-FFF2-40B4-BE49-F238E27FC236}">
-                <a16:creationId xmlns:a16="http://schemas.microsoft.com/office/drawing/2014/main" id="{56709163-066C-440E-8E58-F094B64D2C4B}"/>
+                <a16:creationId xmlns:a16="http://schemas.microsoft.com/office/drawing/2014/main" id="{63D98798-5DAD-403E-A9B9-EED8EC8B476B}"/>
               </a:ext>
             </a:extLst>
           </p:cNvPr>
-          <p:cNvPicPr>
-            <a:picLocks noChangeAspect="1"/>
-          </p:cNvPicPr>
-          <p:nvPr/>
-        </p:nvPicPr>
-        <p:blipFill rotWithShape="1">
-          <a:blip r:embed="rId4"/>
-          <a:srcRect l="28659" r="25718" b="-1"/>
-          <a:stretch/>
-        </p:blipFill>
+          <p:cNvSpPr>
+            <a:spLocks noGrp="1"/>
+          </p:cNvSpPr>
+          <p:nvPr>
+            <p:ph idx="1"/>
+          </p:nvPr>
+        </p:nvSpPr>
         <p:spPr>
           <a:xfrm>
-            <a:off x="6893318" y="770037"/>
-            <a:ext cx="5298683" cy="6097438"/>
+            <a:off x="346229" y="221942"/>
+            <a:ext cx="11001327" cy="5815827"/>
           </a:xfrm>
-          <a:custGeom>
-            <a:avLst/>
-            <a:gdLst/>
-            <a:ahLst/>
-            <a:cxnLst/>
-            <a:rect l="l" t="t" r="r" b="b"/>
-            <a:pathLst>
-              <a:path w="5298683" h="6097438">
-                <a:moveTo>
-                  <a:pt x="3120528" y="0"/>
-                </a:moveTo>
-                <a:cubicBezTo>
-                  <a:pt x="3874524" y="0"/>
-                  <a:pt x="4566062" y="267415"/>
-                  <a:pt x="5105473" y="712577"/>
-                </a:cubicBezTo>
-                <a:lnTo>
-                  <a:pt x="5298683" y="888178"/>
-                </a:lnTo>
-                <a:lnTo>
-                  <a:pt x="5298683" y="5352876"/>
-                </a:lnTo>
-                <a:lnTo>
-                  <a:pt x="5105473" y="5528477"/>
-                </a:lnTo>
-                <a:cubicBezTo>
-                  <a:pt x="4874296" y="5719261"/>
-                  <a:pt x="4615179" y="5877397"/>
-                  <a:pt x="4335177" y="5995828"/>
-                </a:cubicBezTo>
-                <a:lnTo>
-                  <a:pt x="4057556" y="6097438"/>
-                </a:lnTo>
-                <a:lnTo>
-                  <a:pt x="2183499" y="6097438"/>
-                </a:lnTo>
-                <a:lnTo>
-                  <a:pt x="1905878" y="5995828"/>
-                </a:lnTo>
-                <a:cubicBezTo>
-                  <a:pt x="785873" y="5522106"/>
-                  <a:pt x="0" y="4413092"/>
-                  <a:pt x="0" y="3120527"/>
-                </a:cubicBezTo>
-                <a:cubicBezTo>
-                  <a:pt x="0" y="1397108"/>
-                  <a:pt x="1397108" y="0"/>
-                  <a:pt x="3120528" y="0"/>
-                </a:cubicBezTo>
-                <a:close/>
-              </a:path>
-            </a:pathLst>
-          </a:custGeom>
         </p:spPr>
-      </p:pic>
-      <p:sp>
-        <p:nvSpPr>
-          <p:cNvPr id="9" name="íŝļiḋé">
+        <p:txBody>
+          <a:bodyPr/>
+          <a:lstStyle/>
+          <a:p>
+            <a:pPr marL="0" indent="0">
+              <a:buNone/>
+            </a:pPr>
+            <a:r>
+              <a:rPr lang="en-US" b="1" dirty="0"/>
+              <a:t>Project plan:</a:t>
+            </a:r>
+          </a:p>
+          <a:p>
+            <a:pPr marL="0" indent="0">
+              <a:buNone/>
+            </a:pPr>
+            <a:r>
+              <a:rPr lang="en-CA" b="1" dirty="0"/>
+              <a:t>	Stock list: *** YAHOO FINANCE DATABSE ***</a:t>
+            </a:r>
+          </a:p>
+          <a:p>
+            <a:pPr marL="0" indent="0">
+              <a:buNone/>
+            </a:pPr>
+            <a:r>
+              <a:rPr lang="en-CA" b="1" dirty="0"/>
+              <a:t>	Crypto</a:t>
+            </a:r>
+          </a:p>
+          <a:p>
+            <a:pPr marL="0" indent="0">
+              <a:buNone/>
+            </a:pPr>
+            <a:endParaRPr lang="en-CA" b="1" dirty="0"/>
+          </a:p>
+          <a:p>
+            <a:pPr marL="0" indent="0">
+              <a:buNone/>
+            </a:pPr>
+            <a:r>
+              <a:rPr lang="en-CA" b="1" dirty="0"/>
+              <a:t>Annie: task 1 (building dashboard)</a:t>
+            </a:r>
+          </a:p>
+          <a:p>
+            <a:pPr marL="0" indent="0">
+              <a:buNone/>
+            </a:pPr>
+            <a:endParaRPr lang="en-CA" b="1" dirty="0"/>
+          </a:p>
+          <a:p>
+            <a:pPr marL="0" indent="0">
+              <a:buNone/>
+            </a:pPr>
+            <a:r>
+              <a:rPr lang="en-CA" b="1" dirty="0"/>
+              <a:t>Rod: trade indicator( Algo)</a:t>
+            </a:r>
+          </a:p>
+          <a:p>
+            <a:pPr marL="0" indent="0">
+              <a:buNone/>
+            </a:pPr>
+            <a:endParaRPr lang="en-CA" b="1" dirty="0"/>
+          </a:p>
+          <a:p>
+            <a:pPr marL="0" indent="0">
+              <a:buNone/>
+            </a:pPr>
+            <a:r>
+              <a:rPr lang="en-CA" b="1" dirty="0"/>
+              <a:t>Minh: machine learning</a:t>
+            </a:r>
+          </a:p>
+          <a:p>
+            <a:pPr marL="0" indent="0">
+              <a:buNone/>
+            </a:pPr>
+            <a:endParaRPr lang="en-CA" b="1" dirty="0"/>
+          </a:p>
+          <a:p>
+            <a:pPr marL="0" indent="0">
+              <a:buNone/>
+            </a:pPr>
+            <a:r>
+              <a:rPr lang="en-CA" b="1" dirty="0"/>
+              <a:t>Abdullah + Syed: task 3</a:t>
+            </a:r>
+          </a:p>
+          <a:p>
+            <a:pPr marL="0" indent="0">
+              <a:buNone/>
+            </a:pPr>
+            <a:endParaRPr lang="en-CA" b="1" dirty="0"/>
+          </a:p>
+          <a:p>
+            <a:pPr marL="0" indent="0">
+              <a:buNone/>
+            </a:pPr>
+            <a:r>
+              <a:rPr lang="en-CA" b="1" dirty="0"/>
+              <a:t>All team member will present.</a:t>
+            </a:r>
+          </a:p>
+          <a:p>
+            <a:pPr marL="0" indent="0">
+              <a:buNone/>
+            </a:pPr>
+            <a:endParaRPr lang="en-CA" b="1" dirty="0"/>
+          </a:p>
+          <a:p>
+            <a:pPr marL="0" indent="0">
+              <a:buNone/>
+            </a:pPr>
+            <a:endParaRPr lang="en-CA" b="1" dirty="0"/>
+          </a:p>
+        </p:txBody>
+      </p:sp>
+      <p:sp>
+        <p:nvSpPr>
+          <p:cNvPr id="4" name="Slide Number Placeholder 3">
             <a:extLst>
               <a:ext uri="{FF2B5EF4-FFF2-40B4-BE49-F238E27FC236}">
-                <a16:creationId xmlns:a16="http://schemas.microsoft.com/office/drawing/2014/main" id="{60604D42-638E-4BBD-B8B2-5208FBA5D202}"/>
+                <a16:creationId xmlns:a16="http://schemas.microsoft.com/office/drawing/2014/main" id="{F1F4D9E9-D392-4403-9202-A147FCA4C7FC}"/>
               </a:ext>
             </a:extLst>
           </p:cNvPr>
-          <p:cNvSpPr/>
-          <p:nvPr/>
-        </p:nvSpPr>
-        <p:spPr>
-          <a:xfrm>
-            <a:off x="1053442" y="4445542"/>
-            <a:ext cx="4271033" cy="1080000"/>
-          </a:xfrm>
-          <a:prstGeom prst="rect">
-            <a:avLst/>
-          </a:prstGeom>
-        </p:spPr>
-        <p:txBody>
-          <a:bodyPr wrap="square" lIns="91440" tIns="45720" rIns="91440" bIns="45720" anchor="ctr">
-            <a:noAutofit/>
-          </a:bodyPr>
+          <p:cNvSpPr>
+            <a:spLocks noGrp="1"/>
+          </p:cNvSpPr>
+          <p:nvPr>
+            <p:ph type="sldNum" sz="quarter" idx="12"/>
+          </p:nvPr>
+        </p:nvSpPr>
+        <p:spPr/>
+        <p:txBody>
+          <a:bodyPr/>
           <a:lstStyle/>
           <a:p>
-            <a:pPr>
-              <a:lnSpc>
-                <a:spcPct val="130000"/>
-              </a:lnSpc>
-              <a:buClr>
-                <a:srgbClr val="FF8DB1"/>
-              </a:buClr>
-              <a:defRPr/>
-            </a:pPr>
-            <a:r>
-              <a:rPr lang="en-CA" altLang="zh-CN" sz="2000" b="1" dirty="0">
-                <a:solidFill>
-                  <a:srgbClr val="F27120"/>
-                </a:solidFill>
-                <a:latin typeface="+mj-lt"/>
-                <a:ea typeface="+mj-ea"/>
-                <a:cs typeface="+mn-ea"/>
-                <a:sym typeface="+mn-lt"/>
-              </a:rPr>
-              <a:t>Risk Tolerance Calibration</a:t>
-            </a:r>
-          </a:p>
-          <a:p>
-            <a:pPr marL="0" marR="0" lvl="0" indent="0" algn="l" defTabSz="914400" rtl="0" eaLnBrk="1" fontAlgn="auto" latinLnBrk="0" hangingPunct="1">
-              <a:lnSpc>
-                <a:spcPct val="130000"/>
-              </a:lnSpc>
-              <a:spcBef>
-                <a:spcPts val="0"/>
-              </a:spcBef>
-              <a:spcAft>
-                <a:spcPts val="0"/>
-              </a:spcAft>
-              <a:buClr>
-                <a:srgbClr val="FF8DB1"/>
-              </a:buClr>
-              <a:buSzTx/>
-              <a:buFontTx/>
-              <a:buNone/>
-              <a:defRPr/>
-            </a:pPr>
-            <a:endParaRPr kumimoji="0" lang="en-CA" altLang="zh-CN" sz="2000" b="1" i="0" u="none" strike="noStrike" kern="1200" cap="none" spc="0" normalizeH="0" baseline="0" noProof="0" dirty="0">
-              <a:ln>
-                <a:noFill/>
-              </a:ln>
-              <a:solidFill>
-                <a:srgbClr val="F27120"/>
-              </a:solidFill>
-              <a:effectLst/>
-              <a:uLnTx/>
-              <a:uFillTx/>
-              <a:latin typeface="+mj-lt"/>
-              <a:ea typeface="+mj-ea"/>
-              <a:cs typeface="+mn-ea"/>
-              <a:sym typeface="+mn-lt"/>
-            </a:endParaRPr>
-          </a:p>
-          <a:p>
-            <a:pPr marL="0" marR="0" lvl="0" indent="0" algn="l" defTabSz="914400" rtl="0" eaLnBrk="1" fontAlgn="auto" latinLnBrk="0" hangingPunct="1">
-              <a:lnSpc>
-                <a:spcPct val="130000"/>
-              </a:lnSpc>
-              <a:spcBef>
-                <a:spcPts val="0"/>
-              </a:spcBef>
-              <a:spcAft>
-                <a:spcPts val="0"/>
-              </a:spcAft>
-              <a:buClr>
-                <a:srgbClr val="FF8DB1"/>
-              </a:buClr>
-              <a:buSzTx/>
-              <a:buFontTx/>
-              <a:buNone/>
-              <a:defRPr/>
-            </a:pPr>
-            <a:r>
-              <a:rPr kumimoji="0" lang="en-CA" altLang="zh-CN" sz="2000" b="1" i="0" u="none" strike="noStrike" kern="1200" cap="none" spc="0" normalizeH="0" baseline="0" noProof="0" dirty="0">
-                <a:ln>
-                  <a:noFill/>
-                </a:ln>
-                <a:solidFill>
-                  <a:srgbClr val="F27120"/>
-                </a:solidFill>
-                <a:effectLst/>
-                <a:uLnTx/>
-                <a:uFillTx/>
-                <a:latin typeface="+mj-lt"/>
-                <a:ea typeface="+mj-ea"/>
-                <a:cs typeface="+mn-ea"/>
-                <a:sym typeface="+mn-lt"/>
-              </a:rPr>
-              <a:t>Identifying Stocks</a:t>
-            </a:r>
-          </a:p>
-          <a:p>
-            <a:pPr marL="0" marR="0" lvl="0" indent="0" algn="l" defTabSz="914400" rtl="0" eaLnBrk="1" fontAlgn="auto" latinLnBrk="0" hangingPunct="1">
-              <a:lnSpc>
-                <a:spcPct val="130000"/>
-              </a:lnSpc>
-              <a:spcBef>
-                <a:spcPts val="0"/>
-              </a:spcBef>
-              <a:spcAft>
-                <a:spcPts val="0"/>
-              </a:spcAft>
-              <a:buClr>
-                <a:srgbClr val="FF8DB1"/>
-              </a:buClr>
-              <a:buSzTx/>
-              <a:buFontTx/>
-              <a:buNone/>
-              <a:defRPr/>
-            </a:pPr>
-            <a:endParaRPr kumimoji="0" lang="en-CA" altLang="zh-CN" sz="2000" b="1" i="0" u="none" strike="noStrike" kern="1200" cap="none" spc="0" normalizeH="0" baseline="0" noProof="0" dirty="0">
-              <a:ln>
-                <a:noFill/>
-              </a:ln>
-              <a:solidFill>
-                <a:srgbClr val="F27120"/>
-              </a:solidFill>
-              <a:effectLst/>
-              <a:uLnTx/>
-              <a:uFillTx/>
-              <a:latin typeface="+mj-lt"/>
-              <a:ea typeface="+mj-ea"/>
-              <a:cs typeface="+mn-ea"/>
-              <a:sym typeface="+mn-lt"/>
-            </a:endParaRPr>
-          </a:p>
-          <a:p>
-            <a:pPr>
-              <a:lnSpc>
-                <a:spcPct val="130000"/>
-              </a:lnSpc>
-              <a:buClr>
-                <a:srgbClr val="FF8DB1"/>
-              </a:buClr>
-              <a:defRPr/>
-            </a:pPr>
-            <a:r>
-              <a:rPr lang="en-CA" altLang="zh-CN" sz="2000" b="1" dirty="0">
-                <a:solidFill>
-                  <a:srgbClr val="F27120"/>
-                </a:solidFill>
-                <a:latin typeface="+mj-lt"/>
-                <a:ea typeface="+mj-ea"/>
-                <a:cs typeface="+mn-ea"/>
-                <a:sym typeface="+mn-lt"/>
-              </a:rPr>
-              <a:t>Diversification Effect</a:t>
-            </a:r>
-          </a:p>
-          <a:p>
-            <a:pPr>
-              <a:lnSpc>
-                <a:spcPct val="130000"/>
-              </a:lnSpc>
-              <a:buClr>
-                <a:srgbClr val="FF8DB1"/>
-              </a:buClr>
-              <a:defRPr/>
-            </a:pPr>
-            <a:endParaRPr lang="en-CA" altLang="zh-CN" sz="2000" b="1" dirty="0">
-              <a:solidFill>
-                <a:srgbClr val="F27120"/>
-              </a:solidFill>
-              <a:latin typeface="+mj-lt"/>
-              <a:ea typeface="+mj-ea"/>
-              <a:cs typeface="+mn-ea"/>
-              <a:sym typeface="+mn-lt"/>
-            </a:endParaRPr>
-          </a:p>
-          <a:p>
-            <a:pPr>
-              <a:lnSpc>
-                <a:spcPct val="130000"/>
-              </a:lnSpc>
-              <a:buClr>
-                <a:srgbClr val="FF8DB1"/>
-              </a:buClr>
-              <a:defRPr/>
-            </a:pPr>
-            <a:r>
-              <a:rPr lang="en-CA" altLang="zh-CN" sz="2000" b="1" dirty="0">
-                <a:solidFill>
-                  <a:srgbClr val="F27120"/>
-                </a:solidFill>
-                <a:latin typeface="+mj-lt"/>
-                <a:ea typeface="+mj-ea"/>
-                <a:cs typeface="+mn-ea"/>
-                <a:sym typeface="+mn-lt"/>
-              </a:rPr>
-              <a:t>Applying Machine Learning</a:t>
-            </a:r>
-          </a:p>
-          <a:p>
-            <a:pPr>
-              <a:lnSpc>
-                <a:spcPct val="130000"/>
-              </a:lnSpc>
-              <a:buClr>
-                <a:srgbClr val="FF8DB1"/>
-              </a:buClr>
-              <a:defRPr/>
-            </a:pPr>
-            <a:endParaRPr kumimoji="0" lang="en-CA" altLang="zh-CN" sz="2000" b="1" i="0" u="none" strike="noStrike" kern="1200" cap="none" spc="0" normalizeH="0" baseline="0" noProof="0" dirty="0">
-              <a:ln>
-                <a:noFill/>
-              </a:ln>
-              <a:solidFill>
-                <a:srgbClr val="F27120"/>
-              </a:solidFill>
-              <a:effectLst/>
-              <a:uLnTx/>
-              <a:uFillTx/>
-              <a:latin typeface="+mj-lt"/>
-              <a:ea typeface="+mj-ea"/>
-              <a:cs typeface="+mn-ea"/>
-              <a:sym typeface="+mn-lt"/>
-            </a:endParaRPr>
-          </a:p>
-          <a:p>
-            <a:pPr>
-              <a:lnSpc>
-                <a:spcPct val="130000"/>
-              </a:lnSpc>
-              <a:buClr>
-                <a:srgbClr val="FF8DB1"/>
-              </a:buClr>
-              <a:defRPr/>
-            </a:pPr>
-            <a:r>
-              <a:rPr kumimoji="0" lang="en-CA" altLang="zh-CN" sz="2000" b="1" i="0" u="none" strike="noStrike" kern="1200" cap="none" spc="0" normalizeH="0" baseline="0" noProof="0" dirty="0">
-                <a:ln>
-                  <a:noFill/>
-                </a:ln>
-                <a:solidFill>
-                  <a:srgbClr val="F27120"/>
-                </a:solidFill>
-                <a:effectLst/>
-                <a:uLnTx/>
-                <a:uFillTx/>
-                <a:latin typeface="+mj-lt"/>
-                <a:ea typeface="+mj-ea"/>
-                <a:cs typeface="+mn-ea"/>
-                <a:sym typeface="+mn-lt"/>
-              </a:rPr>
-              <a:t>Stock Price Performance</a:t>
-            </a:r>
-          </a:p>
-          <a:p>
-            <a:pPr>
-              <a:lnSpc>
-                <a:spcPct val="130000"/>
-              </a:lnSpc>
-              <a:buClr>
-                <a:srgbClr val="FF8DB1"/>
-              </a:buClr>
-              <a:defRPr/>
-            </a:pPr>
-            <a:endParaRPr lang="en-CA" altLang="zh-CN" sz="2000" b="1" dirty="0">
-              <a:solidFill>
-                <a:srgbClr val="F27120"/>
-              </a:solidFill>
-              <a:latin typeface="+mj-lt"/>
-              <a:ea typeface="+mj-ea"/>
-              <a:cs typeface="+mn-ea"/>
-              <a:sym typeface="+mn-lt"/>
-            </a:endParaRPr>
-          </a:p>
-          <a:p>
-            <a:pPr>
-              <a:lnSpc>
-                <a:spcPct val="130000"/>
-              </a:lnSpc>
-              <a:buClr>
-                <a:srgbClr val="FF8DB1"/>
-              </a:buClr>
-              <a:defRPr/>
-            </a:pPr>
-            <a:r>
-              <a:rPr kumimoji="0" lang="en-US" altLang="zh-TW" sz="2000" b="1" i="0" u="none" strike="noStrike" kern="1200" cap="none" spc="0" normalizeH="0" baseline="0" noProof="0" dirty="0">
-                <a:ln>
-                  <a:noFill/>
-                </a:ln>
-                <a:solidFill>
-                  <a:srgbClr val="F27120"/>
-                </a:solidFill>
-                <a:effectLst/>
-                <a:uLnTx/>
-                <a:uFillTx/>
-                <a:latin typeface="+mj-lt"/>
-                <a:ea typeface="+mj-ea"/>
-                <a:cs typeface="+mn-ea"/>
-                <a:sym typeface="+mn-lt"/>
-              </a:rPr>
-              <a:t>Sources</a:t>
-            </a:r>
-            <a:endParaRPr kumimoji="0" lang="en-CA" altLang="zh-CN" sz="2000" b="1" i="0" u="none" strike="noStrike" kern="1200" cap="none" spc="0" normalizeH="0" baseline="0" noProof="0" dirty="0">
-              <a:ln>
-                <a:noFill/>
-              </a:ln>
-              <a:solidFill>
-                <a:srgbClr val="F27120"/>
-              </a:solidFill>
-              <a:effectLst/>
-              <a:uLnTx/>
-              <a:uFillTx/>
-              <a:latin typeface="+mj-lt"/>
-              <a:ea typeface="+mj-ea"/>
-              <a:cs typeface="+mn-ea"/>
-              <a:sym typeface="+mn-lt"/>
-            </a:endParaRPr>
-          </a:p>
-          <a:p>
-            <a:pPr>
-              <a:lnSpc>
-                <a:spcPct val="130000"/>
-              </a:lnSpc>
-              <a:buClr>
-                <a:srgbClr val="FF8DB1"/>
-              </a:buClr>
-              <a:defRPr/>
-            </a:pPr>
-            <a:endParaRPr kumimoji="0" lang="en-CA" altLang="zh-CN" sz="2000" b="1" i="0" u="none" strike="noStrike" kern="1200" cap="none" spc="0" normalizeH="0" baseline="0" noProof="0" dirty="0">
-              <a:ln>
-                <a:noFill/>
-              </a:ln>
-              <a:solidFill>
-                <a:srgbClr val="F27120"/>
-              </a:solidFill>
-              <a:effectLst/>
-              <a:uLnTx/>
-              <a:uFillTx/>
-              <a:latin typeface="+mj-lt"/>
-              <a:ea typeface="+mj-ea"/>
-              <a:cs typeface="+mn-ea"/>
-              <a:sym typeface="+mn-lt"/>
-            </a:endParaRPr>
-          </a:p>
-          <a:p>
-            <a:pPr>
-              <a:lnSpc>
-                <a:spcPct val="130000"/>
-              </a:lnSpc>
-              <a:buClr>
-                <a:srgbClr val="FF8DB1"/>
-              </a:buClr>
-              <a:defRPr/>
-            </a:pPr>
-            <a:endParaRPr kumimoji="0" lang="en-CA" altLang="zh-CN" sz="2000" b="1" i="0" u="none" strike="noStrike" kern="1200" cap="none" spc="0" normalizeH="0" baseline="0" noProof="0" dirty="0">
-              <a:ln>
-                <a:noFill/>
-              </a:ln>
-              <a:solidFill>
-                <a:srgbClr val="F27120"/>
-              </a:solidFill>
-              <a:effectLst/>
-              <a:uLnTx/>
-              <a:uFillTx/>
-              <a:latin typeface="+mj-lt"/>
-              <a:ea typeface="+mj-ea"/>
-              <a:cs typeface="+mn-ea"/>
-              <a:sym typeface="+mn-lt"/>
-            </a:endParaRPr>
-          </a:p>
-          <a:p>
-            <a:pPr>
-              <a:lnSpc>
-                <a:spcPct val="130000"/>
-              </a:lnSpc>
-              <a:buClr>
-                <a:srgbClr val="FF8DB1"/>
-              </a:buClr>
-              <a:defRPr/>
-            </a:pPr>
-            <a:endParaRPr lang="en-CA" altLang="zh-CN" sz="2000" b="1" dirty="0">
-              <a:solidFill>
-                <a:srgbClr val="F27120"/>
-              </a:solidFill>
-              <a:latin typeface="+mj-lt"/>
-              <a:ea typeface="+mj-ea"/>
-              <a:cs typeface="+mn-ea"/>
-              <a:sym typeface="+mn-lt"/>
-            </a:endParaRPr>
-          </a:p>
-          <a:p>
-            <a:pPr marL="0" marR="0" lvl="0" indent="0" algn="l" defTabSz="914400" rtl="0" eaLnBrk="1" fontAlgn="auto" latinLnBrk="0" hangingPunct="1">
-              <a:lnSpc>
-                <a:spcPct val="130000"/>
-              </a:lnSpc>
-              <a:spcBef>
-                <a:spcPts val="0"/>
-              </a:spcBef>
-              <a:spcAft>
-                <a:spcPts val="0"/>
-              </a:spcAft>
-              <a:buClr>
-                <a:srgbClr val="FF8DB1"/>
-              </a:buClr>
-              <a:buSzTx/>
-              <a:buFontTx/>
-              <a:buNone/>
-              <a:defRPr/>
-            </a:pPr>
-            <a:endParaRPr kumimoji="0" lang="en-CA" altLang="zh-CN" sz="2000" b="1" i="0" u="none" strike="noStrike" kern="1200" cap="none" spc="0" normalizeH="0" baseline="0" noProof="0" dirty="0">
-              <a:ln>
-                <a:noFill/>
-              </a:ln>
-              <a:solidFill>
-                <a:srgbClr val="F27120"/>
-              </a:solidFill>
-              <a:effectLst/>
-              <a:uLnTx/>
-              <a:uFillTx/>
-              <a:latin typeface="+mj-lt"/>
-              <a:ea typeface="+mj-ea"/>
-              <a:cs typeface="+mn-ea"/>
-              <a:sym typeface="+mn-lt"/>
-            </a:endParaRPr>
-          </a:p>
-        </p:txBody>
-      </p:sp>
-      <p:sp>
-        <p:nvSpPr>
-          <p:cNvPr id="3" name="TextBox 2">
-            <a:extLst>
-              <a:ext uri="{FF2B5EF4-FFF2-40B4-BE49-F238E27FC236}">
-                <a16:creationId xmlns:a16="http://schemas.microsoft.com/office/drawing/2014/main" id="{1EE68328-1C8A-439F-B5AC-093BB3354BBC}"/>
-              </a:ext>
-            </a:extLst>
-          </p:cNvPr>
-          <p:cNvSpPr txBox="1"/>
-          <p:nvPr/>
-        </p:nvSpPr>
-        <p:spPr>
-          <a:xfrm>
-            <a:off x="1053442" y="1105759"/>
-            <a:ext cx="2613683" cy="553998"/>
-          </a:xfrm>
-          <a:prstGeom prst="rect">
-            <a:avLst/>
-          </a:prstGeom>
-          <a:noFill/>
-        </p:spPr>
-        <p:txBody>
-          <a:bodyPr wrap="square" rtlCol="0">
-            <a:spAutoFit/>
-          </a:bodyPr>
-          <a:lstStyle/>
-          <a:p>
-            <a:r>
-              <a:rPr lang="en-CA" sz="3000" b="1" dirty="0"/>
-              <a:t>PROPOSAL</a:t>
-            </a:r>
+            <a:fld id="{B7F7B65C-2824-9347-9C05-39D42996E2F4}" type="slidenum">
+              <a:rPr lang="fr-FR" smtClean="0"/>
+              <a:pPr/>
+              <a:t>3</a:t>
+            </a:fld>
+            <a:endParaRPr lang="fr-FR" dirty="0"/>
           </a:p>
         </p:txBody>
       </p:sp>
     </p:spTree>
     <p:extLst>
       <p:ext uri="{BB962C8B-B14F-4D97-AF65-F5344CB8AC3E}">
-        <p14:creationId xmlns:p14="http://schemas.microsoft.com/office/powerpoint/2010/main" val="3465470728"/>
+        <p14:creationId xmlns:p14="http://schemas.microsoft.com/office/powerpoint/2010/main" val="2617289637"/>
       </p:ext>
     </p:extLst>
   </p:cSld>

--- a/Project 2 proposal.pptx
+++ b/Project 2 proposal.pptx
@@ -222,7 +222,7 @@
           <a:p>
             <a:fld id="{DD4DD772-7209-C245-981A-1A2440230A0C}" type="datetimeFigureOut">
               <a:rPr lang="en-US" smtClean="0"/>
-              <a:t>1/14/2021</a:t>
+              <a:t>1/15/2021</a:t>
             </a:fld>
             <a:endParaRPr lang="en-US" dirty="0"/>
           </a:p>
@@ -1258,7 +1258,7 @@
           <a:p>
             <a:fld id="{74E3DBE9-5838-4F76-9364-D1D296611DE3}" type="datetime1">
               <a:rPr lang="fr-FR" altLang="zh-CN" smtClean="0"/>
-              <a:t>14/01/2021</a:t>
+              <a:t>15/01/2021</a:t>
             </a:fld>
             <a:endParaRPr lang="fr-FR" dirty="0"/>
           </a:p>
@@ -1555,7 +1555,7 @@
           <a:p>
             <a:fld id="{0BA9FFE5-A643-4B62-BF2B-5FE6DE605367}" type="datetime1">
               <a:rPr lang="fr-FR" altLang="zh-CN" smtClean="0"/>
-              <a:t>14/01/2021</a:t>
+              <a:t>15/01/2021</a:t>
             </a:fld>
             <a:endParaRPr lang="en-US" dirty="0"/>
           </a:p>
@@ -1680,7 +1680,7 @@
           <a:p>
             <a:fld id="{0BA9FFE5-A643-4B62-BF2B-5FE6DE605367}" type="datetime1">
               <a:rPr lang="fr-FR" altLang="zh-CN" smtClean="0"/>
-              <a:t>14/01/2021</a:t>
+              <a:t>15/01/2021</a:t>
             </a:fld>
             <a:endParaRPr lang="en-US" dirty="0"/>
           </a:p>
